--- a/Теоретические аспекты программирования/ТАП_ИванюкПГ_3МПП1901.pptx
+++ b/Теоретические аспекты программирования/ТАП_ИванюкПГ_3МПП1901.pptx
@@ -9,9 +9,10 @@
     <p:sldId id="258" r:id="rId3"/>
     <p:sldId id="259" r:id="rId4"/>
     <p:sldId id="260" r:id="rId5"/>
-    <p:sldId id="261" r:id="rId6"/>
-    <p:sldId id="262" r:id="rId7"/>
-    <p:sldId id="257" r:id="rId8"/>
+    <p:sldId id="263" r:id="rId6"/>
+    <p:sldId id="261" r:id="rId7"/>
+    <p:sldId id="262" r:id="rId8"/>
+    <p:sldId id="257" r:id="rId9"/>
   </p:sldIdLst>
   <p:sldSz cx="12192000" cy="6858000"/>
   <p:notesSz cx="6858000" cy="9144000"/>
@@ -4030,6 +4031,365 @@
       </p:grpSpPr>
       <p:sp>
         <p:nvSpPr>
+          <p:cNvPr id="2" name="TextBox 1">
+            <a:extLst>
+              <a:ext uri="{FF2B5EF4-FFF2-40B4-BE49-F238E27FC236}">
+                <a16:creationId xmlns:a16="http://schemas.microsoft.com/office/drawing/2014/main" id="{CA28EE6F-0B34-4AA5-8121-F83B41998D74}"/>
+              </a:ext>
+            </a:extLst>
+          </p:cNvPr>
+          <p:cNvSpPr txBox="1"/>
+          <p:nvPr/>
+        </p:nvSpPr>
+        <p:spPr>
+          <a:xfrm>
+            <a:off x="4359306" y="1663700"/>
+            <a:ext cx="3473387" cy="646331"/>
+          </a:xfrm>
+          <a:prstGeom prst="rect">
+            <a:avLst/>
+          </a:prstGeom>
+        </p:spPr>
+        <p:style>
+          <a:lnRef idx="2">
+            <a:schemeClr val="dk1"/>
+          </a:lnRef>
+          <a:fillRef idx="1">
+            <a:schemeClr val="lt1"/>
+          </a:fillRef>
+          <a:effectRef idx="0">
+            <a:schemeClr val="dk1"/>
+          </a:effectRef>
+          <a:fontRef idx="minor">
+            <a:schemeClr val="dk1"/>
+          </a:fontRef>
+        </p:style>
+        <p:txBody>
+          <a:bodyPr wrap="none" rtlCol="0">
+            <a:spAutoFit/>
+          </a:bodyPr>
+          <a:lstStyle/>
+          <a:p>
+            <a:r>
+              <a:rPr lang="ru-RU" sz="3600" dirty="0">
+                <a:latin typeface="Times New Roman" panose="02020603050405020304" pitchFamily="18" charset="0"/>
+                <a:cs typeface="Times New Roman" panose="02020603050405020304" pitchFamily="18" charset="0"/>
+              </a:rPr>
+              <a:t>Виды грамматик</a:t>
+            </a:r>
+          </a:p>
+        </p:txBody>
+      </p:sp>
+      <p:sp>
+        <p:nvSpPr>
+          <p:cNvPr id="3" name="TextBox 2">
+            <a:extLst>
+              <a:ext uri="{FF2B5EF4-FFF2-40B4-BE49-F238E27FC236}">
+                <a16:creationId xmlns:a16="http://schemas.microsoft.com/office/drawing/2014/main" id="{6A246431-7C56-4343-B7E6-32B036FAD157}"/>
+              </a:ext>
+            </a:extLst>
+          </p:cNvPr>
+          <p:cNvSpPr txBox="1"/>
+          <p:nvPr/>
+        </p:nvSpPr>
+        <p:spPr>
+          <a:xfrm>
+            <a:off x="952500" y="4119890"/>
+            <a:ext cx="2458430" cy="523220"/>
+          </a:xfrm>
+          <a:prstGeom prst="rect">
+            <a:avLst/>
+          </a:prstGeom>
+        </p:spPr>
+        <p:style>
+          <a:lnRef idx="2">
+            <a:schemeClr val="dk1"/>
+          </a:lnRef>
+          <a:fillRef idx="1">
+            <a:schemeClr val="lt1"/>
+          </a:fillRef>
+          <a:effectRef idx="0">
+            <a:schemeClr val="dk1"/>
+          </a:effectRef>
+          <a:fontRef idx="minor">
+            <a:schemeClr val="dk1"/>
+          </a:fontRef>
+        </p:style>
+        <p:txBody>
+          <a:bodyPr wrap="none" rtlCol="0">
+            <a:spAutoFit/>
+          </a:bodyPr>
+          <a:lstStyle/>
+          <a:p>
+            <a:r>
+              <a:rPr lang="ru-RU" sz="2800" dirty="0">
+                <a:latin typeface="Times New Roman" panose="02020603050405020304" pitchFamily="18" charset="0"/>
+                <a:cs typeface="Times New Roman" panose="02020603050405020304" pitchFamily="18" charset="0"/>
+              </a:rPr>
+              <a:t>Порождающие</a:t>
+            </a:r>
+          </a:p>
+        </p:txBody>
+      </p:sp>
+      <p:sp>
+        <p:nvSpPr>
+          <p:cNvPr id="4" name="TextBox 3">
+            <a:extLst>
+              <a:ext uri="{FF2B5EF4-FFF2-40B4-BE49-F238E27FC236}">
+                <a16:creationId xmlns:a16="http://schemas.microsoft.com/office/drawing/2014/main" id="{EDE95361-A971-4A48-BF73-33153E4938A2}"/>
+              </a:ext>
+            </a:extLst>
+          </p:cNvPr>
+          <p:cNvSpPr txBox="1"/>
+          <p:nvPr/>
+        </p:nvSpPr>
+        <p:spPr>
+          <a:xfrm>
+            <a:off x="4806949" y="4272281"/>
+            <a:ext cx="2578100" cy="523220"/>
+          </a:xfrm>
+          <a:prstGeom prst="rect">
+            <a:avLst/>
+          </a:prstGeom>
+        </p:spPr>
+        <p:style>
+          <a:lnRef idx="2">
+            <a:schemeClr val="dk1"/>
+          </a:lnRef>
+          <a:fillRef idx="1">
+            <a:schemeClr val="lt1"/>
+          </a:fillRef>
+          <a:effectRef idx="0">
+            <a:schemeClr val="dk1"/>
+          </a:effectRef>
+          <a:fontRef idx="minor">
+            <a:schemeClr val="dk1"/>
+          </a:fontRef>
+        </p:style>
+        <p:txBody>
+          <a:bodyPr wrap="square" rtlCol="0">
+            <a:spAutoFit/>
+          </a:bodyPr>
+          <a:lstStyle/>
+          <a:p>
+            <a:r>
+              <a:rPr lang="ru-RU" sz="2800" dirty="0">
+                <a:latin typeface="Times New Roman" panose="02020603050405020304" pitchFamily="18" charset="0"/>
+                <a:cs typeface="Times New Roman" panose="02020603050405020304" pitchFamily="18" charset="0"/>
+              </a:rPr>
+              <a:t>Распознающие</a:t>
+            </a:r>
+          </a:p>
+        </p:txBody>
+      </p:sp>
+      <p:sp>
+        <p:nvSpPr>
+          <p:cNvPr id="5" name="TextBox 4">
+            <a:extLst>
+              <a:ext uri="{FF2B5EF4-FFF2-40B4-BE49-F238E27FC236}">
+                <a16:creationId xmlns:a16="http://schemas.microsoft.com/office/drawing/2014/main" id="{D2855F4A-400B-4B7C-987E-EE645DB14175}"/>
+              </a:ext>
+            </a:extLst>
+          </p:cNvPr>
+          <p:cNvSpPr txBox="1"/>
+          <p:nvPr/>
+        </p:nvSpPr>
+        <p:spPr>
+          <a:xfrm>
+            <a:off x="8535811" y="4107190"/>
+            <a:ext cx="2703689" cy="523220"/>
+          </a:xfrm>
+          <a:prstGeom prst="rect">
+            <a:avLst/>
+          </a:prstGeom>
+        </p:spPr>
+        <p:style>
+          <a:lnRef idx="2">
+            <a:schemeClr val="dk1"/>
+          </a:lnRef>
+          <a:fillRef idx="1">
+            <a:schemeClr val="lt1"/>
+          </a:fillRef>
+          <a:effectRef idx="0">
+            <a:schemeClr val="dk1"/>
+          </a:effectRef>
+          <a:fontRef idx="minor">
+            <a:schemeClr val="dk1"/>
+          </a:fontRef>
+        </p:style>
+        <p:txBody>
+          <a:bodyPr wrap="none" rtlCol="0">
+            <a:spAutoFit/>
+          </a:bodyPr>
+          <a:lstStyle/>
+          <a:p>
+            <a:r>
+              <a:rPr lang="ru-RU" sz="2800" dirty="0">
+                <a:latin typeface="Times New Roman" panose="02020603050405020304" pitchFamily="18" charset="0"/>
+                <a:cs typeface="Times New Roman" panose="02020603050405020304" pitchFamily="18" charset="0"/>
+              </a:rPr>
+              <a:t>Перечисляющие</a:t>
+            </a:r>
+          </a:p>
+        </p:txBody>
+      </p:sp>
+      <p:cxnSp>
+        <p:nvCxnSpPr>
+          <p:cNvPr id="7" name="Прямая со стрелкой 6">
+            <a:extLst>
+              <a:ext uri="{FF2B5EF4-FFF2-40B4-BE49-F238E27FC236}">
+                <a16:creationId xmlns:a16="http://schemas.microsoft.com/office/drawing/2014/main" id="{1A1AE20D-5604-4340-BF0C-A910B16BEC08}"/>
+              </a:ext>
+            </a:extLst>
+          </p:cNvPr>
+          <p:cNvCxnSpPr>
+            <a:cxnSpLocks/>
+          </p:cNvCxnSpPr>
+          <p:nvPr/>
+        </p:nvCxnSpPr>
+        <p:spPr>
+          <a:xfrm flipH="1">
+            <a:off x="2181715" y="2310031"/>
+            <a:ext cx="3139586" cy="1797159"/>
+          </a:xfrm>
+          <a:prstGeom prst="straightConnector1">
+            <a:avLst/>
+          </a:prstGeom>
+          <a:ln>
+            <a:tailEnd type="triangle"/>
+          </a:ln>
+        </p:spPr>
+        <p:style>
+          <a:lnRef idx="1">
+            <a:schemeClr val="dk1"/>
+          </a:lnRef>
+          <a:fillRef idx="0">
+            <a:schemeClr val="dk1"/>
+          </a:fillRef>
+          <a:effectRef idx="0">
+            <a:schemeClr val="dk1"/>
+          </a:effectRef>
+          <a:fontRef idx="minor">
+            <a:schemeClr val="tx1"/>
+          </a:fontRef>
+        </p:style>
+      </p:cxnSp>
+      <p:cxnSp>
+        <p:nvCxnSpPr>
+          <p:cNvPr id="9" name="Прямая со стрелкой 8">
+            <a:extLst>
+              <a:ext uri="{FF2B5EF4-FFF2-40B4-BE49-F238E27FC236}">
+                <a16:creationId xmlns:a16="http://schemas.microsoft.com/office/drawing/2014/main" id="{CE31004F-110A-4D56-949C-6DDE3E1DF0D3}"/>
+              </a:ext>
+            </a:extLst>
+          </p:cNvPr>
+          <p:cNvCxnSpPr>
+            <a:cxnSpLocks/>
+            <a:stCxn id="2" idx="2"/>
+            <a:endCxn id="4" idx="0"/>
+          </p:cNvCxnSpPr>
+          <p:nvPr/>
+        </p:nvCxnSpPr>
+        <p:spPr>
+          <a:xfrm flipH="1">
+            <a:off x="6095999" y="2310031"/>
+            <a:ext cx="1" cy="1962250"/>
+          </a:xfrm>
+          <a:prstGeom prst="straightConnector1">
+            <a:avLst/>
+          </a:prstGeom>
+          <a:ln>
+            <a:tailEnd type="triangle"/>
+          </a:ln>
+        </p:spPr>
+        <p:style>
+          <a:lnRef idx="1">
+            <a:schemeClr val="dk1"/>
+          </a:lnRef>
+          <a:fillRef idx="0">
+            <a:schemeClr val="dk1"/>
+          </a:fillRef>
+          <a:effectRef idx="0">
+            <a:schemeClr val="dk1"/>
+          </a:effectRef>
+          <a:fontRef idx="minor">
+            <a:schemeClr val="tx1"/>
+          </a:fontRef>
+        </p:style>
+      </p:cxnSp>
+      <p:cxnSp>
+        <p:nvCxnSpPr>
+          <p:cNvPr id="11" name="Прямая со стрелкой 10">
+            <a:extLst>
+              <a:ext uri="{FF2B5EF4-FFF2-40B4-BE49-F238E27FC236}">
+                <a16:creationId xmlns:a16="http://schemas.microsoft.com/office/drawing/2014/main" id="{C02A4BBA-009E-484E-980D-4BA857BC6A55}"/>
+              </a:ext>
+            </a:extLst>
+          </p:cNvPr>
+          <p:cNvCxnSpPr>
+            <a:cxnSpLocks/>
+          </p:cNvCxnSpPr>
+          <p:nvPr/>
+        </p:nvCxnSpPr>
+        <p:spPr>
+          <a:xfrm>
+            <a:off x="7048500" y="2310031"/>
+            <a:ext cx="2776360" cy="1797159"/>
+          </a:xfrm>
+          <a:prstGeom prst="straightConnector1">
+            <a:avLst/>
+          </a:prstGeom>
+          <a:ln>
+            <a:tailEnd type="triangle"/>
+          </a:ln>
+        </p:spPr>
+        <p:style>
+          <a:lnRef idx="1">
+            <a:schemeClr val="dk1"/>
+          </a:lnRef>
+          <a:fillRef idx="0">
+            <a:schemeClr val="dk1"/>
+          </a:fillRef>
+          <a:effectRef idx="0">
+            <a:schemeClr val="dk1"/>
+          </a:effectRef>
+          <a:fontRef idx="minor">
+            <a:schemeClr val="tx1"/>
+          </a:fontRef>
+        </p:style>
+      </p:cxnSp>
+    </p:spTree>
+    <p:extLst>
+      <p:ext uri="{BB962C8B-B14F-4D97-AF65-F5344CB8AC3E}">
+        <p14:creationId xmlns:p14="http://schemas.microsoft.com/office/powerpoint/2010/main" val="179536139"/>
+      </p:ext>
+    </p:extLst>
+  </p:cSld>
+  <p:clrMapOvr>
+    <a:masterClrMapping/>
+  </p:clrMapOvr>
+</p:sld>
+</file>
+
+<file path=ppt/slides/slide6.xml><?xml version="1.0" encoding="utf-8"?>
+<p:sld xmlns:a="http://schemas.openxmlformats.org/drawingml/2006/main" xmlns:r="http://schemas.openxmlformats.org/officeDocument/2006/relationships" xmlns:p="http://schemas.openxmlformats.org/presentationml/2006/main">
+  <p:cSld>
+    <p:spTree>
+      <p:nvGrpSpPr>
+        <p:cNvPr id="1" name=""/>
+        <p:cNvGrpSpPr/>
+        <p:nvPr/>
+      </p:nvGrpSpPr>
+      <p:grpSpPr>
+        <a:xfrm>
+          <a:off x="0" y="0"/>
+          <a:ext cx="0" cy="0"/>
+          <a:chOff x="0" y="0"/>
+          <a:chExt cx="0" cy="0"/>
+        </a:xfrm>
+      </p:grpSpPr>
+      <p:sp>
+        <p:nvSpPr>
           <p:cNvPr id="5" name="TextBox 4">
             <a:extLst>
               <a:ext uri="{FF2B5EF4-FFF2-40B4-BE49-F238E27FC236}">
@@ -4265,7 +4625,7 @@
 </p:sld>
 </file>
 
-<file path=ppt/slides/slide6.xml><?xml version="1.0" encoding="utf-8"?>
+<file path=ppt/slides/slide7.xml><?xml version="1.0" encoding="utf-8"?>
 <p:sld xmlns:a="http://schemas.openxmlformats.org/drawingml/2006/main" xmlns:r="http://schemas.openxmlformats.org/officeDocument/2006/relationships" xmlns:p="http://schemas.openxmlformats.org/presentationml/2006/main">
   <p:cSld>
     <p:spTree>
@@ -4662,7 +5022,7 @@
 </p:sld>
 </file>
 
-<file path=ppt/slides/slide7.xml><?xml version="1.0" encoding="utf-8"?>
+<file path=ppt/slides/slide8.xml><?xml version="1.0" encoding="utf-8"?>
 <p:sld xmlns:a="http://schemas.openxmlformats.org/drawingml/2006/main" xmlns:r="http://schemas.openxmlformats.org/officeDocument/2006/relationships" xmlns:p="http://schemas.openxmlformats.org/presentationml/2006/main">
   <p:cSld>
     <p:spTree>
